--- a/02_Basics of PL SQL/02-01_en_Introduction to PL SQL.pptx
+++ b/02_Basics of PL SQL/02-01_en_Introduction to PL SQL.pptx
@@ -17,6 +17,7 @@
     <p:sldId id="353" r:id="rId11"/>
     <p:sldId id="354" r:id="rId12"/>
     <p:sldId id="355" r:id="rId13"/>
+    <p:sldId id="356" r:id="rId14"/>
   </p:sldIdLst>
   <p:sldSz cx="9144000" cy="6858000" type="screen4x3"/>
   <p:notesSz cx="6858000" cy="9144000"/>
@@ -5539,6 +5540,253 @@
     <p:extLst>
       <p:ext uri="{BB962C8B-B14F-4D97-AF65-F5344CB8AC3E}">
         <p14:creationId xmlns:p14="http://schemas.microsoft.com/office/powerpoint/2010/main" val="452873383"/>
+      </p:ext>
+    </p:extLst>
+  </p:cSld>
+  <p:clrMapOvr>
+    <a:masterClrMapping/>
+  </p:clrMapOvr>
+  <p:transition>
+    <p:random/>
+  </p:transition>
+</p:sld>
+</file>
+
+<file path=ppt/slides/slide13.xml><?xml version="1.0" encoding="utf-8"?>
+<p:sld xmlns:a="http://schemas.openxmlformats.org/drawingml/2006/main" xmlns:r="http://schemas.openxmlformats.org/officeDocument/2006/relationships" xmlns:p="http://schemas.openxmlformats.org/presentationml/2006/main">
+  <p:cSld>
+    <p:spTree>
+      <p:nvGrpSpPr>
+        <p:cNvPr id="1" name=""/>
+        <p:cNvGrpSpPr/>
+        <p:nvPr/>
+      </p:nvGrpSpPr>
+      <p:grpSpPr>
+        <a:xfrm>
+          <a:off x="0" y="0"/>
+          <a:ext cx="0" cy="0"/>
+          <a:chOff x="0" y="0"/>
+          <a:chExt cx="0" cy="0"/>
+        </a:xfrm>
+      </p:grpSpPr>
+      <p:sp>
+        <p:nvSpPr>
+          <p:cNvPr id="2" name="Title 1"/>
+          <p:cNvSpPr>
+            <a:spLocks noGrp="1"/>
+          </p:cNvSpPr>
+          <p:nvPr>
+            <p:ph type="title"/>
+          </p:nvPr>
+        </p:nvSpPr>
+        <p:spPr>
+          <a:xfrm>
+            <a:off x="152400" y="76200"/>
+            <a:ext cx="8763000" cy="1143000"/>
+          </a:xfrm>
+        </p:spPr>
+        <p:txBody>
+          <a:bodyPr anchor="ctr">
+            <a:normAutofit fontScale="90000"/>
+          </a:bodyPr>
+          <a:lstStyle/>
+          <a:p>
+            <a:pPr algn="ctr"/>
+            <a:r>
+              <a:rPr lang="ro-RO" sz="3600" dirty="0" err="1">
+                <a:latin typeface="American Typewriter"/>
+                <a:ea typeface="Arial Unicode MS" panose="020B0604020202020204" pitchFamily="34" charset="-128"/>
+                <a:cs typeface="American Typewriter"/>
+              </a:rPr>
+              <a:t>Git</a:t>
+            </a:r>
+            <a:r>
+              <a:rPr lang="ro-RO" sz="3600" dirty="0">
+                <a:latin typeface="American Typewriter"/>
+                <a:ea typeface="Arial Unicode MS" panose="020B0604020202020204" pitchFamily="34" charset="-128"/>
+                <a:cs typeface="American Typewriter"/>
+              </a:rPr>
+              <a:t> Hub </a:t>
+            </a:r>
+            <a:r>
+              <a:rPr lang="ro-RO" sz="3600" dirty="0" err="1">
+                <a:latin typeface="American Typewriter"/>
+                <a:ea typeface="Arial Unicode MS" panose="020B0604020202020204" pitchFamily="34" charset="-128"/>
+                <a:cs typeface="American Typewriter"/>
+              </a:rPr>
+              <a:t>Scripts</a:t>
+            </a:r>
+            <a:r>
+              <a:rPr lang="ro-RO" sz="3600" dirty="0">
+                <a:latin typeface="American Typewriter"/>
+                <a:ea typeface="Arial Unicode MS" panose="020B0604020202020204" pitchFamily="34" charset="-128"/>
+                <a:cs typeface="American Typewriter"/>
+              </a:rPr>
+              <a:t> Associated </a:t>
+            </a:r>
+            <a:r>
+              <a:rPr lang="ro-RO" sz="3600" dirty="0" err="1">
+                <a:latin typeface="American Typewriter"/>
+                <a:ea typeface="Arial Unicode MS" panose="020B0604020202020204" pitchFamily="34" charset="-128"/>
+                <a:cs typeface="American Typewriter"/>
+              </a:rPr>
+              <a:t>with</a:t>
+            </a:r>
+            <a:r>
+              <a:rPr lang="ro-RO" sz="3600" dirty="0">
+                <a:latin typeface="American Typewriter"/>
+                <a:ea typeface="Arial Unicode MS" panose="020B0604020202020204" pitchFamily="34" charset="-128"/>
+                <a:cs typeface="American Typewriter"/>
+              </a:rPr>
+              <a:t> </a:t>
+            </a:r>
+            <a:r>
+              <a:rPr lang="ro-RO" sz="3600" dirty="0" err="1">
+                <a:latin typeface="American Typewriter"/>
+                <a:ea typeface="Arial Unicode MS" panose="020B0604020202020204" pitchFamily="34" charset="-128"/>
+                <a:cs typeface="American Typewriter"/>
+              </a:rPr>
+              <a:t>this</a:t>
+            </a:r>
+            <a:r>
+              <a:rPr lang="ro-RO" sz="3600" dirty="0">
+                <a:latin typeface="American Typewriter"/>
+                <a:ea typeface="Arial Unicode MS" panose="020B0604020202020204" pitchFamily="34" charset="-128"/>
+                <a:cs typeface="American Typewriter"/>
+              </a:rPr>
+              <a:t> </a:t>
+            </a:r>
+            <a:r>
+              <a:rPr lang="ro-RO" sz="3600" dirty="0" err="1">
+                <a:latin typeface="American Typewriter"/>
+                <a:ea typeface="Arial Unicode MS" panose="020B0604020202020204" pitchFamily="34" charset="-128"/>
+                <a:cs typeface="American Typewriter"/>
+              </a:rPr>
+              <a:t>Presentation</a:t>
+            </a:r>
+            <a:endParaRPr lang="en-US" sz="3600" dirty="0">
+              <a:latin typeface="American Typewriter"/>
+              <a:ea typeface="Arial Unicode MS" panose="020B0604020202020204" pitchFamily="34" charset="-128"/>
+              <a:cs typeface="American Typewriter"/>
+            </a:endParaRPr>
+          </a:p>
+        </p:txBody>
+      </p:sp>
+      <p:sp>
+        <p:nvSpPr>
+          <p:cNvPr id="3" name="Content Placeholder 2"/>
+          <p:cNvSpPr>
+            <a:spLocks noGrp="1"/>
+          </p:cNvSpPr>
+          <p:nvPr>
+            <p:ph idx="1"/>
+          </p:nvPr>
+        </p:nvSpPr>
+        <p:spPr>
+          <a:xfrm>
+            <a:off x="685800" y="1219200"/>
+            <a:ext cx="8305800" cy="5638800"/>
+          </a:xfrm>
+        </p:spPr>
+        <p:txBody>
+          <a:bodyPr>
+            <a:normAutofit/>
+          </a:bodyPr>
+          <a:lstStyle/>
+          <a:p>
+            <a:r>
+              <a:rPr lang="ro-RO" sz="3000" dirty="0">
+                <a:latin typeface="Avenir Medium"/>
+                <a:cs typeface="Avenir Medium"/>
+                <a:hlinkClick r:id="rId2"/>
+              </a:rPr>
+              <a:t>https://github.com/marinfotache/Database-Logic-in-Business-Applications/tree/master/02_Basics%20of%20PL%20SQL</a:t>
+            </a:r>
+            <a:endParaRPr lang="ro-RO" sz="3000" dirty="0">
+              <a:latin typeface="Avenir Medium"/>
+              <a:cs typeface="Avenir Medium"/>
+            </a:endParaRPr>
+          </a:p>
+          <a:p>
+            <a:pPr lvl="1"/>
+            <a:r>
+              <a:rPr lang="ro-RO" sz="2600" dirty="0">
+                <a:latin typeface="Avenir Medium"/>
+                <a:cs typeface="Avenir Medium"/>
+              </a:rPr>
+              <a:t>02_01a...</a:t>
+            </a:r>
+          </a:p>
+          <a:p>
+            <a:pPr lvl="1"/>
+            <a:r>
+              <a:rPr lang="ro-RO" sz="2600" dirty="0">
+                <a:latin typeface="Avenir Medium"/>
+                <a:cs typeface="Avenir Medium"/>
+              </a:rPr>
+              <a:t>02_01b...</a:t>
+            </a:r>
+          </a:p>
+          <a:p>
+            <a:pPr lvl="1"/>
+            <a:r>
+              <a:rPr lang="ro-RO" sz="2600" dirty="0">
+                <a:latin typeface="Avenir Medium"/>
+                <a:cs typeface="Avenir Medium"/>
+              </a:rPr>
+              <a:t>02_01c...</a:t>
+            </a:r>
+          </a:p>
+          <a:p>
+            <a:pPr lvl="1"/>
+            <a:r>
+              <a:rPr lang="ro-RO" sz="2600" dirty="0">
+                <a:latin typeface="Avenir Medium"/>
+                <a:cs typeface="Avenir Medium"/>
+              </a:rPr>
+              <a:t>02_01d...</a:t>
+            </a:r>
+          </a:p>
+          <a:p>
+            <a:pPr lvl="1"/>
+            <a:r>
+              <a:rPr lang="ro-RO" sz="2600">
+                <a:latin typeface="Avenir Medium"/>
+                <a:cs typeface="Avenir Medium"/>
+              </a:rPr>
+              <a:t>02_01e...</a:t>
+            </a:r>
+          </a:p>
+          <a:p>
+            <a:pPr lvl="1"/>
+            <a:endParaRPr lang="ro-RO" sz="2600" dirty="0">
+              <a:latin typeface="Avenir Medium"/>
+              <a:cs typeface="Avenir Medium"/>
+            </a:endParaRPr>
+          </a:p>
+          <a:p>
+            <a:pPr lvl="1"/>
+            <a:endParaRPr lang="ro-RO" sz="2600" dirty="0">
+              <a:latin typeface="Avenir Medium"/>
+              <a:cs typeface="Avenir Medium"/>
+            </a:endParaRPr>
+          </a:p>
+          <a:p>
+            <a:pPr marL="82296" indent="0">
+              <a:buNone/>
+            </a:pPr>
+            <a:endParaRPr lang="ro-RO" sz="3000" dirty="0">
+              <a:latin typeface="Avenir Medium"/>
+              <a:cs typeface="Avenir Medium"/>
+              <a:hlinkClick r:id="rId3"/>
+            </a:endParaRPr>
+          </a:p>
+        </p:txBody>
+      </p:sp>
+    </p:spTree>
+    <p:extLst>
+      <p:ext uri="{BB962C8B-B14F-4D97-AF65-F5344CB8AC3E}">
+        <p14:creationId xmlns:p14="http://schemas.microsoft.com/office/powerpoint/2010/main" val="2905594553"/>
       </p:ext>
     </p:extLst>
   </p:cSld>

--- a/02_Basics of PL SQL/02-01_en_Introduction to PL SQL.pptx
+++ b/02_Basics of PL SQL/02-01_en_Introduction to PL SQL.pptx
@@ -13,11 +13,9 @@
     <p:sldId id="347" r:id="rId7"/>
     <p:sldId id="351" r:id="rId8"/>
     <p:sldId id="348" r:id="rId9"/>
-    <p:sldId id="352" r:id="rId10"/>
-    <p:sldId id="353" r:id="rId11"/>
-    <p:sldId id="354" r:id="rId12"/>
-    <p:sldId id="355" r:id="rId13"/>
-    <p:sldId id="356" r:id="rId14"/>
+    <p:sldId id="354" r:id="rId10"/>
+    <p:sldId id="355" r:id="rId11"/>
+    <p:sldId id="356" r:id="rId12"/>
   </p:sldIdLst>
   <p:sldSz cx="9144000" cy="6858000" type="screen4x3"/>
   <p:notesSz cx="6858000" cy="9144000"/>
@@ -4814,647 +4812,6 @@
                 <a:ea typeface="Arial Unicode MS" panose="020B0604020202020204" pitchFamily="34" charset="-128"/>
                 <a:cs typeface="American Typewriter"/>
               </a:rPr>
-              <a:t>Video-tutorials on Basic PL/SQL (cont.) </a:t>
-            </a:r>
-            <a:endParaRPr lang="en-US" sz="3600" dirty="0">
-              <a:latin typeface="American Typewriter"/>
-              <a:ea typeface="Arial Unicode MS" panose="020B0604020202020204" pitchFamily="34" charset="-128"/>
-              <a:cs typeface="American Typewriter"/>
-            </a:endParaRPr>
-          </a:p>
-        </p:txBody>
-      </p:sp>
-      <p:sp>
-        <p:nvSpPr>
-          <p:cNvPr id="3" name="Content Placeholder 2"/>
-          <p:cNvSpPr>
-            <a:spLocks noGrp="1"/>
-          </p:cNvSpPr>
-          <p:nvPr>
-            <p:ph idx="1"/>
-          </p:nvPr>
-        </p:nvSpPr>
-        <p:spPr>
-          <a:xfrm>
-            <a:off x="609600" y="1219200"/>
-            <a:ext cx="8305800" cy="5638800"/>
-          </a:xfrm>
-        </p:spPr>
-        <p:txBody>
-          <a:bodyPr>
-            <a:normAutofit fontScale="62500" lnSpcReduction="20000"/>
-          </a:bodyPr>
-          <a:lstStyle/>
-          <a:p>
-            <a:r>
-              <a:rPr lang="ro-RO" sz="3000" dirty="0">
-                <a:latin typeface="Avenir Medium"/>
-                <a:cs typeface="Avenir Medium"/>
-              </a:rPr>
-              <a:t>PL8 PL SQL Tutorial Select statements in a PL SQL block Hands On)</a:t>
-            </a:r>
-          </a:p>
-          <a:p>
-            <a:pPr marL="82296" indent="0">
-              <a:buNone/>
-            </a:pPr>
-            <a:r>
-              <a:rPr lang="ro-RO" sz="3000" dirty="0">
-                <a:latin typeface="Avenir Medium"/>
-                <a:cs typeface="Avenir Medium"/>
-                <a:hlinkClick r:id="rId2"/>
-              </a:rPr>
-              <a:t>https://www.youtube.com/watch?v=-OPoHSArODE&amp;spfreload=10</a:t>
-            </a:r>
-            <a:endParaRPr lang="ro-RO" sz="3000" dirty="0">
-              <a:latin typeface="Avenir Medium"/>
-              <a:cs typeface="Avenir Medium"/>
-            </a:endParaRPr>
-          </a:p>
-          <a:p>
-            <a:r>
-              <a:rPr lang="ro-RO" sz="3000" dirty="0">
-                <a:latin typeface="Avenir Medium"/>
-                <a:cs typeface="Avenir Medium"/>
-              </a:rPr>
-              <a:t>PL9 PL SQL Tutorial DML and TCL statements Theory)</a:t>
-            </a:r>
-          </a:p>
-          <a:p>
-            <a:pPr marL="82296" indent="0">
-              <a:buNone/>
-            </a:pPr>
-            <a:r>
-              <a:rPr lang="ro-RO" sz="3000" dirty="0">
-                <a:latin typeface="Avenir Medium"/>
-                <a:cs typeface="Avenir Medium"/>
-                <a:hlinkClick r:id="rId3"/>
-              </a:rPr>
-              <a:t>https://www.youtube.com/watch?v=T7SJcoNhRvE</a:t>
-            </a:r>
-            <a:endParaRPr lang="ro-RO" sz="3000" dirty="0">
-              <a:latin typeface="Avenir Medium"/>
-              <a:cs typeface="Avenir Medium"/>
-            </a:endParaRPr>
-          </a:p>
-          <a:p>
-            <a:r>
-              <a:rPr lang="ro-RO" sz="3000" dirty="0">
-                <a:latin typeface="Avenir Medium"/>
-                <a:cs typeface="Avenir Medium"/>
-              </a:rPr>
-              <a:t>PL10 PL SQL Tutorial DML and TCL statements Hands On)</a:t>
-            </a:r>
-          </a:p>
-          <a:p>
-            <a:pPr marL="82296" indent="0">
-              <a:buNone/>
-            </a:pPr>
-            <a:r>
-              <a:rPr lang="ro-RO" sz="3000" dirty="0">
-                <a:latin typeface="Avenir Medium"/>
-                <a:cs typeface="Avenir Medium"/>
-                <a:hlinkClick r:id="rId4"/>
-              </a:rPr>
-              <a:t>https://www.youtube.com/watch?v=Q76d25yRlxs</a:t>
-            </a:r>
-            <a:endParaRPr lang="ro-RO" sz="3000" dirty="0">
-              <a:latin typeface="Avenir Medium"/>
-              <a:cs typeface="Avenir Medium"/>
-            </a:endParaRPr>
-          </a:p>
-          <a:p>
-            <a:r>
-              <a:rPr lang="ro-RO" sz="3000" dirty="0">
-                <a:latin typeface="Avenir Medium"/>
-                <a:cs typeface="Avenir Medium"/>
-              </a:rPr>
-              <a:t>PL11 PL SQL Tutorial IF statements in PL SQL Theory)</a:t>
-            </a:r>
-            <a:endParaRPr lang="ro-RO" sz="3000" dirty="0">
-              <a:latin typeface="Avenir Medium"/>
-              <a:cs typeface="Avenir Medium"/>
-              <a:hlinkClick r:id="rId5"/>
-            </a:endParaRPr>
-          </a:p>
-          <a:p>
-            <a:pPr marL="82296" indent="0">
-              <a:buNone/>
-            </a:pPr>
-            <a:r>
-              <a:rPr lang="ro-RO" sz="3000" dirty="0">
-                <a:latin typeface="Avenir Medium"/>
-                <a:cs typeface="Avenir Medium"/>
-                <a:hlinkClick r:id="rId6"/>
-              </a:rPr>
-              <a:t>https://www.youtube.com/watch?v=kHCUitCcHSE&amp;spfreload=10</a:t>
-            </a:r>
-            <a:endParaRPr lang="ro-RO" sz="3000" dirty="0">
-              <a:latin typeface="Avenir Medium"/>
-              <a:cs typeface="Avenir Medium"/>
-            </a:endParaRPr>
-          </a:p>
-          <a:p>
-            <a:r>
-              <a:rPr lang="ro-RO" sz="3000" dirty="0">
-                <a:latin typeface="Avenir Medium"/>
-                <a:cs typeface="Avenir Medium"/>
-              </a:rPr>
-              <a:t>PL12 PL SQL Tutorial IF statements in PL SQL Hands On)</a:t>
-            </a:r>
-            <a:endParaRPr lang="ro-RO" sz="3000" dirty="0">
-              <a:latin typeface="Avenir Medium"/>
-              <a:cs typeface="Avenir Medium"/>
-              <a:hlinkClick r:id="rId7"/>
-            </a:endParaRPr>
-          </a:p>
-          <a:p>
-            <a:pPr marL="82296" indent="0">
-              <a:buNone/>
-            </a:pPr>
-            <a:r>
-              <a:rPr lang="ro-RO" sz="3000" dirty="0">
-                <a:latin typeface="Avenir Medium"/>
-                <a:cs typeface="Avenir Medium"/>
-                <a:hlinkClick r:id="rId8"/>
-              </a:rPr>
-              <a:t>https://www.youtube.com/watch?v=fd1ZvJpx458&amp;spfreload=10</a:t>
-            </a:r>
-            <a:endParaRPr lang="ro-RO" sz="3000" dirty="0">
-              <a:latin typeface="Avenir Medium"/>
-              <a:cs typeface="Avenir Medium"/>
-            </a:endParaRPr>
-          </a:p>
-          <a:p>
-            <a:r>
-              <a:rPr lang="ro-RO" sz="3000" dirty="0">
-                <a:latin typeface="Avenir Medium"/>
-                <a:cs typeface="Avenir Medium"/>
-              </a:rPr>
-              <a:t>PL13 PL SQL Tutorial CASE Statement in PL SQL Theory)</a:t>
-            </a:r>
-          </a:p>
-          <a:p>
-            <a:pPr marL="82296" indent="0">
-              <a:buNone/>
-            </a:pPr>
-            <a:r>
-              <a:rPr lang="ro-RO" sz="3000" dirty="0">
-                <a:latin typeface="Avenir Medium"/>
-                <a:cs typeface="Avenir Medium"/>
-                <a:hlinkClick r:id="rId9"/>
-              </a:rPr>
-              <a:t>https://www.youtube.com/watch?v=w3ERdbPcXZo&amp;spfreload=10</a:t>
-            </a:r>
-            <a:endParaRPr lang="ro-RO" sz="3000" dirty="0">
-              <a:latin typeface="Avenir Medium"/>
-              <a:cs typeface="Avenir Medium"/>
-            </a:endParaRPr>
-          </a:p>
-          <a:p>
-            <a:r>
-              <a:rPr lang="ro-RO" sz="3000" dirty="0">
-                <a:latin typeface="Avenir Medium"/>
-                <a:cs typeface="Avenir Medium"/>
-              </a:rPr>
-              <a:t>PL14 PL SQL Tutorial CASE Statement in PL SQL Hands On)</a:t>
-            </a:r>
-          </a:p>
-          <a:p>
-            <a:pPr marL="82296" indent="0">
-              <a:buNone/>
-            </a:pPr>
-            <a:r>
-              <a:rPr lang="ro-RO" sz="3000" dirty="0">
-                <a:latin typeface="Avenir Medium"/>
-                <a:cs typeface="Avenir Medium"/>
-                <a:hlinkClick r:id="rId10"/>
-              </a:rPr>
-              <a:t>https://www.youtube.com/watch?v=uPDZlBte18M&amp;spfreload=10</a:t>
-            </a:r>
-            <a:endParaRPr lang="ro-RO" sz="3000" dirty="0">
-              <a:latin typeface="Avenir Medium"/>
-              <a:cs typeface="Avenir Medium"/>
-            </a:endParaRPr>
-          </a:p>
-          <a:p>
-            <a:r>
-              <a:rPr lang="ro-RO" sz="3000" dirty="0">
-                <a:latin typeface="Avenir Medium"/>
-                <a:cs typeface="Avenir Medium"/>
-              </a:rPr>
-              <a:t>PL15 PL SQL Tutorial LOOP END LOOP statement Theory)</a:t>
-            </a:r>
-          </a:p>
-          <a:p>
-            <a:pPr marL="82296" indent="0">
-              <a:buNone/>
-            </a:pPr>
-            <a:r>
-              <a:rPr lang="ro-RO" sz="3000" dirty="0">
-                <a:latin typeface="Avenir Medium"/>
-                <a:cs typeface="Avenir Medium"/>
-                <a:hlinkClick r:id="rId11"/>
-              </a:rPr>
-              <a:t>https://www.youtube.com/watch?v=ZYFwp9VQC6A&amp;spfreload=10</a:t>
-            </a:r>
-            <a:endParaRPr lang="ro-RO" sz="3000" dirty="0">
-              <a:latin typeface="Avenir Medium"/>
-              <a:cs typeface="Avenir Medium"/>
-            </a:endParaRPr>
-          </a:p>
-          <a:p>
-            <a:pPr marL="82296" indent="0">
-              <a:buNone/>
-            </a:pPr>
-            <a:endParaRPr lang="ro-RO" sz="3000" dirty="0">
-              <a:latin typeface="Avenir Medium"/>
-              <a:cs typeface="Avenir Medium"/>
-            </a:endParaRPr>
-          </a:p>
-        </p:txBody>
-      </p:sp>
-    </p:spTree>
-    <p:extLst>
-      <p:ext uri="{BB962C8B-B14F-4D97-AF65-F5344CB8AC3E}">
-        <p14:creationId xmlns:p14="http://schemas.microsoft.com/office/powerpoint/2010/main" val="2318997660"/>
-      </p:ext>
-    </p:extLst>
-  </p:cSld>
-  <p:clrMapOvr>
-    <a:masterClrMapping/>
-  </p:clrMapOvr>
-  <p:transition>
-    <p:random/>
-  </p:transition>
-</p:sld>
-</file>
-
-<file path=ppt/slides/slide11.xml><?xml version="1.0" encoding="utf-8"?>
-<p:sld xmlns:a="http://schemas.openxmlformats.org/drawingml/2006/main" xmlns:r="http://schemas.openxmlformats.org/officeDocument/2006/relationships" xmlns:p="http://schemas.openxmlformats.org/presentationml/2006/main">
-  <p:cSld>
-    <p:spTree>
-      <p:nvGrpSpPr>
-        <p:cNvPr id="1" name=""/>
-        <p:cNvGrpSpPr/>
-        <p:nvPr/>
-      </p:nvGrpSpPr>
-      <p:grpSpPr>
-        <a:xfrm>
-          <a:off x="0" y="0"/>
-          <a:ext cx="0" cy="0"/>
-          <a:chOff x="0" y="0"/>
-          <a:chExt cx="0" cy="0"/>
-        </a:xfrm>
-      </p:grpSpPr>
-      <p:sp>
-        <p:nvSpPr>
-          <p:cNvPr id="2" name="Title 1"/>
-          <p:cNvSpPr>
-            <a:spLocks noGrp="1"/>
-          </p:cNvSpPr>
-          <p:nvPr>
-            <p:ph type="title"/>
-          </p:nvPr>
-        </p:nvSpPr>
-        <p:spPr>
-          <a:xfrm>
-            <a:off x="152400" y="76200"/>
-            <a:ext cx="8763000" cy="1143000"/>
-          </a:xfrm>
-        </p:spPr>
-        <p:txBody>
-          <a:bodyPr anchor="ctr">
-            <a:normAutofit/>
-          </a:bodyPr>
-          <a:lstStyle/>
-          <a:p>
-            <a:pPr algn="ctr"/>
-            <a:r>
-              <a:rPr lang="ro-RO" sz="3600" dirty="0">
-                <a:latin typeface="American Typewriter"/>
-                <a:ea typeface="Arial Unicode MS" panose="020B0604020202020204" pitchFamily="34" charset="-128"/>
-                <a:cs typeface="American Typewriter"/>
-              </a:rPr>
-              <a:t>Video-tutorials on Basic PL/SQL (cont.) </a:t>
-            </a:r>
-            <a:endParaRPr lang="en-US" sz="3600" dirty="0">
-              <a:latin typeface="American Typewriter"/>
-              <a:ea typeface="Arial Unicode MS" panose="020B0604020202020204" pitchFamily="34" charset="-128"/>
-              <a:cs typeface="American Typewriter"/>
-            </a:endParaRPr>
-          </a:p>
-        </p:txBody>
-      </p:sp>
-      <p:sp>
-        <p:nvSpPr>
-          <p:cNvPr id="3" name="Content Placeholder 2"/>
-          <p:cNvSpPr>
-            <a:spLocks noGrp="1"/>
-          </p:cNvSpPr>
-          <p:nvPr>
-            <p:ph idx="1"/>
-          </p:nvPr>
-        </p:nvSpPr>
-        <p:spPr>
-          <a:xfrm>
-            <a:off x="685800" y="1219200"/>
-            <a:ext cx="8305800" cy="5638800"/>
-          </a:xfrm>
-        </p:spPr>
-        <p:txBody>
-          <a:bodyPr>
-            <a:normAutofit fontScale="70000" lnSpcReduction="20000"/>
-          </a:bodyPr>
-          <a:lstStyle/>
-          <a:p>
-            <a:r>
-              <a:rPr lang="ro-RO" sz="3000" dirty="0">
-                <a:latin typeface="Avenir Medium"/>
-                <a:cs typeface="Avenir Medium"/>
-              </a:rPr>
-              <a:t>PL16 PL SQL Tutorial Loop Statement Hands On))</a:t>
-            </a:r>
-            <a:endParaRPr lang="ro-RO" sz="3000" dirty="0">
-              <a:latin typeface="Avenir Medium"/>
-              <a:cs typeface="Avenir Medium"/>
-              <a:hlinkClick r:id="rId2"/>
-            </a:endParaRPr>
-          </a:p>
-          <a:p>
-            <a:pPr marL="82296" indent="0">
-              <a:buNone/>
-            </a:pPr>
-            <a:r>
-              <a:rPr lang="ro-RO" sz="3000" dirty="0">
-                <a:latin typeface="Avenir Medium"/>
-                <a:cs typeface="Avenir Medium"/>
-                <a:hlinkClick r:id="rId3"/>
-              </a:rPr>
-              <a:t>https://www.youtube.com/watch?v=IgJI1Q_VxZo</a:t>
-            </a:r>
-            <a:endParaRPr lang="ro-RO" sz="3000" dirty="0">
-              <a:latin typeface="Avenir Medium"/>
-              <a:cs typeface="Avenir Medium"/>
-            </a:endParaRPr>
-          </a:p>
-          <a:p>
-            <a:r>
-              <a:rPr lang="ro-RO" sz="3000" dirty="0">
-                <a:latin typeface="Avenir Medium"/>
-                <a:cs typeface="Avenir Medium"/>
-              </a:rPr>
-              <a:t>PL17 PL SQL Tutorial WHILE LOOP construct Theory)</a:t>
-            </a:r>
-            <a:endParaRPr lang="ro-RO" sz="3000" dirty="0">
-              <a:latin typeface="Avenir Medium"/>
-              <a:cs typeface="Avenir Medium"/>
-              <a:hlinkClick r:id="rId4"/>
-            </a:endParaRPr>
-          </a:p>
-          <a:p>
-            <a:pPr marL="82296" indent="0">
-              <a:buNone/>
-            </a:pPr>
-            <a:r>
-              <a:rPr lang="ro-RO" sz="3000" dirty="0">
-                <a:latin typeface="Avenir Medium"/>
-                <a:cs typeface="Avenir Medium"/>
-                <a:hlinkClick r:id="rId5"/>
-              </a:rPr>
-              <a:t>https://www.youtube.com/watch?v=00ZCPpP3ZrA&amp;spfreload=10</a:t>
-            </a:r>
-            <a:endParaRPr lang="ro-RO" sz="3000" dirty="0">
-              <a:latin typeface="Avenir Medium"/>
-              <a:cs typeface="Avenir Medium"/>
-            </a:endParaRPr>
-          </a:p>
-          <a:p>
-            <a:r>
-              <a:rPr lang="ro-RO" sz="3000" dirty="0">
-                <a:latin typeface="Avenir Medium"/>
-                <a:cs typeface="Avenir Medium"/>
-              </a:rPr>
-              <a:t>PL18 PL SQL Tutorial While Loop Statement Hands On)</a:t>
-            </a:r>
-          </a:p>
-          <a:p>
-            <a:pPr marL="82296" indent="0">
-              <a:buNone/>
-            </a:pPr>
-            <a:r>
-              <a:rPr lang="ro-RO" sz="3000" dirty="0">
-                <a:latin typeface="Avenir Medium"/>
-                <a:cs typeface="Avenir Medium"/>
-                <a:hlinkClick r:id="rId6"/>
-              </a:rPr>
-              <a:t>https://www.youtube.com/watch?v=zP1Yfj_oBN0</a:t>
-            </a:r>
-            <a:endParaRPr lang="ro-RO" sz="3000" dirty="0">
-              <a:latin typeface="Avenir Medium"/>
-              <a:cs typeface="Avenir Medium"/>
-            </a:endParaRPr>
-          </a:p>
-          <a:p>
-            <a:r>
-              <a:rPr lang="ro-RO" sz="3000" dirty="0">
-                <a:latin typeface="Avenir Medium"/>
-                <a:cs typeface="Avenir Medium"/>
-              </a:rPr>
-              <a:t>PL19 PL SQL Tutorial For LOOP construct Theory)</a:t>
-            </a:r>
-            <a:endParaRPr lang="ro-RO" sz="3000" dirty="0">
-              <a:latin typeface="Avenir Medium"/>
-              <a:cs typeface="Avenir Medium"/>
-              <a:hlinkClick r:id="rId7"/>
-            </a:endParaRPr>
-          </a:p>
-          <a:p>
-            <a:pPr marL="82296" indent="0">
-              <a:buNone/>
-            </a:pPr>
-            <a:r>
-              <a:rPr lang="ro-RO" sz="3000" dirty="0">
-                <a:latin typeface="Avenir Medium"/>
-                <a:cs typeface="Avenir Medium"/>
-                <a:hlinkClick r:id="rId8"/>
-              </a:rPr>
-              <a:t>https://www.youtube.com/watch?v=SrSrzwNjI40</a:t>
-            </a:r>
-            <a:endParaRPr lang="ro-RO" sz="3000" dirty="0">
-              <a:latin typeface="Avenir Medium"/>
-              <a:cs typeface="Avenir Medium"/>
-            </a:endParaRPr>
-          </a:p>
-          <a:p>
-            <a:r>
-              <a:rPr lang="ro-RO" sz="3000" dirty="0">
-                <a:latin typeface="Avenir Medium"/>
-                <a:cs typeface="Avenir Medium"/>
-              </a:rPr>
-              <a:t>PL20 PLSQL Tutorial FOR LOOP in PL SQL Hands On)</a:t>
-            </a:r>
-            <a:endParaRPr lang="ro-RO" sz="3000" dirty="0">
-              <a:latin typeface="Avenir Medium"/>
-              <a:cs typeface="Avenir Medium"/>
-              <a:hlinkClick r:id="rId9"/>
-            </a:endParaRPr>
-          </a:p>
-          <a:p>
-            <a:pPr marL="82296" indent="0">
-              <a:buNone/>
-            </a:pPr>
-            <a:r>
-              <a:rPr lang="ro-RO" sz="3000" dirty="0">
-                <a:latin typeface="Avenir Medium"/>
-                <a:cs typeface="Avenir Medium"/>
-                <a:hlinkClick r:id="rId10"/>
-              </a:rPr>
-              <a:t>https://www.youtube.com/watch?v=gVWHt0qD9ig</a:t>
-            </a:r>
-            <a:endParaRPr lang="ro-RO" sz="3000" dirty="0">
-              <a:latin typeface="Avenir Medium"/>
-              <a:cs typeface="Avenir Medium"/>
-            </a:endParaRPr>
-          </a:p>
-          <a:p>
-            <a:pPr marL="82296" indent="0">
-              <a:buNone/>
-            </a:pPr>
-            <a:endParaRPr lang="ro-RO" sz="3000" dirty="0">
-              <a:latin typeface="Avenir Medium"/>
-              <a:cs typeface="Avenir Medium"/>
-            </a:endParaRPr>
-          </a:p>
-          <a:p>
-            <a:pPr marL="82296" indent="0">
-              <a:buNone/>
-            </a:pPr>
-            <a:endParaRPr lang="ro-RO" sz="3000" dirty="0">
-              <a:latin typeface="Avenir Medium"/>
-              <a:cs typeface="Avenir Medium"/>
-            </a:endParaRPr>
-          </a:p>
-          <a:p>
-            <a:pPr marL="82296" indent="0">
-              <a:buNone/>
-            </a:pPr>
-            <a:endParaRPr lang="ro-RO" sz="3000" dirty="0">
-              <a:latin typeface="Avenir Medium"/>
-              <a:cs typeface="Avenir Medium"/>
-            </a:endParaRPr>
-          </a:p>
-          <a:p>
-            <a:pPr marL="82296" indent="0">
-              <a:buNone/>
-            </a:pPr>
-            <a:r>
-              <a:rPr lang="ro-RO" sz="3000" dirty="0">
-                <a:latin typeface="Avenir Medium"/>
-                <a:cs typeface="Avenir Medium"/>
-              </a:rPr>
-              <a:t>See also video-tutorials from PLS-1 to PLS-8 in the playlist:</a:t>
-            </a:r>
-          </a:p>
-          <a:p>
-            <a:pPr marL="82296" indent="0">
-              <a:buNone/>
-            </a:pPr>
-            <a:r>
-              <a:rPr lang="ro-RO" sz="3000" dirty="0">
-                <a:latin typeface="Avenir Medium"/>
-                <a:cs typeface="Avenir Medium"/>
-                <a:hlinkClick r:id="rId11"/>
-              </a:rPr>
-              <a:t>https://www.youtube.com/playlist?list=PL3245012E0631F7AE&amp;spfreload=10</a:t>
-            </a:r>
-            <a:endParaRPr lang="ro-RO" sz="3000" dirty="0">
-              <a:latin typeface="Avenir Medium"/>
-              <a:cs typeface="Avenir Medium"/>
-            </a:endParaRPr>
-          </a:p>
-          <a:p>
-            <a:pPr marL="82296" indent="0">
-              <a:buNone/>
-            </a:pPr>
-            <a:endParaRPr lang="ro-RO" sz="3000" dirty="0">
-              <a:latin typeface="Avenir Medium"/>
-              <a:cs typeface="Avenir Medium"/>
-            </a:endParaRPr>
-          </a:p>
-          <a:p>
-            <a:pPr marL="82296" indent="0">
-              <a:buNone/>
-            </a:pPr>
-            <a:endParaRPr lang="ro-RO" sz="3000" dirty="0">
-              <a:latin typeface="Avenir Medium"/>
-              <a:cs typeface="Avenir Medium"/>
-            </a:endParaRPr>
-          </a:p>
-        </p:txBody>
-      </p:sp>
-    </p:spTree>
-    <p:extLst>
-      <p:ext uri="{BB962C8B-B14F-4D97-AF65-F5344CB8AC3E}">
-        <p14:creationId xmlns:p14="http://schemas.microsoft.com/office/powerpoint/2010/main" val="1705308003"/>
-      </p:ext>
-    </p:extLst>
-  </p:cSld>
-  <p:clrMapOvr>
-    <a:masterClrMapping/>
-  </p:clrMapOvr>
-  <p:transition>
-    <p:random/>
-  </p:transition>
-</p:sld>
-</file>
-
-<file path=ppt/slides/slide12.xml><?xml version="1.0" encoding="utf-8"?>
-<p:sld xmlns:a="http://schemas.openxmlformats.org/drawingml/2006/main" xmlns:r="http://schemas.openxmlformats.org/officeDocument/2006/relationships" xmlns:p="http://schemas.openxmlformats.org/presentationml/2006/main">
-  <p:cSld>
-    <p:spTree>
-      <p:nvGrpSpPr>
-        <p:cNvPr id="1" name=""/>
-        <p:cNvGrpSpPr/>
-        <p:nvPr/>
-      </p:nvGrpSpPr>
-      <p:grpSpPr>
-        <a:xfrm>
-          <a:off x="0" y="0"/>
-          <a:ext cx="0" cy="0"/>
-          <a:chOff x="0" y="0"/>
-          <a:chExt cx="0" cy="0"/>
-        </a:xfrm>
-      </p:grpSpPr>
-      <p:sp>
-        <p:nvSpPr>
-          <p:cNvPr id="2" name="Title 1"/>
-          <p:cNvSpPr>
-            <a:spLocks noGrp="1"/>
-          </p:cNvSpPr>
-          <p:nvPr>
-            <p:ph type="title"/>
-          </p:nvPr>
-        </p:nvSpPr>
-        <p:spPr>
-          <a:xfrm>
-            <a:off x="152400" y="76200"/>
-            <a:ext cx="8763000" cy="1143000"/>
-          </a:xfrm>
-        </p:spPr>
-        <p:txBody>
-          <a:bodyPr anchor="ctr">
-            <a:normAutofit/>
-          </a:bodyPr>
-          <a:lstStyle/>
-          <a:p>
-            <a:pPr algn="ctr"/>
-            <a:r>
-              <a:rPr lang="ro-RO" sz="3600" dirty="0">
-                <a:latin typeface="American Typewriter"/>
-                <a:ea typeface="Arial Unicode MS" panose="020B0604020202020204" pitchFamily="34" charset="-128"/>
-                <a:cs typeface="American Typewriter"/>
-              </a:rPr>
               <a:t>Text (in Romanian)</a:t>
             </a:r>
             <a:endParaRPr lang="en-US" sz="3600" dirty="0">
@@ -5552,7 +4909,7 @@
 </p:sld>
 </file>
 
-<file path=ppt/slides/slide13.xml><?xml version="1.0" encoding="utf-8"?>
+<file path=ppt/slides/slide11.xml><?xml version="1.0" encoding="utf-8"?>
 <p:sld xmlns:a="http://schemas.openxmlformats.org/drawingml/2006/main" xmlns:r="http://schemas.openxmlformats.org/officeDocument/2006/relationships" xmlns:p="http://schemas.openxmlformats.org/presentationml/2006/main">
   <p:cSld>
     <p:spTree>
@@ -7317,7 +6674,7 @@
                 <a:ea typeface="Arial Unicode MS" panose="020B0604020202020204" pitchFamily="34" charset="-128"/>
                 <a:cs typeface="American Typewriter"/>
               </a:rPr>
-              <a:t>Video-tutorials on Basic PL/SQL </a:t>
+              <a:t>Video-tutorials on Basic PL/SQL</a:t>
             </a:r>
             <a:endParaRPr lang="en-US" sz="3600" dirty="0">
               <a:latin typeface="American Typewriter"/>
@@ -7339,87 +6696,77 @@
         </p:nvSpPr>
         <p:spPr>
           <a:xfrm>
-            <a:off x="685800" y="1143000"/>
-            <a:ext cx="8458200" cy="5715000"/>
+            <a:off x="685800" y="1219200"/>
+            <a:ext cx="8305800" cy="5638800"/>
           </a:xfrm>
         </p:spPr>
         <p:txBody>
           <a:bodyPr>
-            <a:normAutofit fontScale="70000" lnSpcReduction="20000"/>
+            <a:normAutofit/>
           </a:bodyPr>
           <a:lstStyle/>
-          <a:p>
-            <a:r>
-              <a:rPr lang="ro-RO" sz="3000" dirty="0">
-                <a:latin typeface="Avenir Medium"/>
-                <a:cs typeface="Avenir Medium"/>
-              </a:rPr>
-              <a:t>PL1 PL SQL Tutorial Introduction to PL SQL programming</a:t>
-            </a:r>
-          </a:p>
           <a:p>
             <a:pPr marL="82296" indent="0">
               <a:buNone/>
             </a:pPr>
-            <a:r>
-              <a:rPr lang="ro-RO" sz="3000" dirty="0">
-                <a:latin typeface="Avenir Medium"/>
-                <a:cs typeface="Avenir Medium"/>
-                <a:hlinkClick r:id="rId2"/>
-              </a:rPr>
-              <a:t>https://www.youtube.com/watch?v=Wvl_zDdvUuE</a:t>
-            </a:r>
             <a:endParaRPr lang="ro-RO" sz="3000" dirty="0">
               <a:latin typeface="Avenir Medium"/>
               <a:cs typeface="Avenir Medium"/>
             </a:endParaRPr>
           </a:p>
           <a:p>
-            <a:r>
-              <a:rPr lang="ro-RO" sz="3000" dirty="0">
-                <a:latin typeface="Avenir Medium"/>
-                <a:cs typeface="Avenir Medium"/>
-              </a:rPr>
-              <a:t>PL2 PL SQL Tutorial Declaration Section Theory)</a:t>
-            </a:r>
-          </a:p>
-          <a:p>
             <a:pPr marL="82296" indent="0">
               <a:buNone/>
             </a:pPr>
-            <a:r>
-              <a:rPr lang="ro-RO" sz="3000" dirty="0">
-                <a:latin typeface="Avenir Medium"/>
-                <a:cs typeface="Avenir Medium"/>
-                <a:hlinkClick r:id="rId3"/>
-              </a:rPr>
-              <a:t>https://www.youtube.com/watch?v=Wf-OoqxG4uE&amp;spfreload=10</a:t>
-            </a:r>
             <a:endParaRPr lang="ro-RO" sz="3000" dirty="0">
               <a:latin typeface="Avenir Medium"/>
               <a:cs typeface="Avenir Medium"/>
             </a:endParaRPr>
           </a:p>
           <a:p>
-            <a:r>
-              <a:rPr lang="ro-RO" sz="3000" dirty="0">
-                <a:latin typeface="Avenir Medium"/>
-                <a:cs typeface="Avenir Medium"/>
-              </a:rPr>
-              <a:t>PL3 PL SQL Tutorial Declaration Section Hands On) </a:t>
-            </a:r>
-          </a:p>
-          <a:p>
             <a:pPr marL="82296" indent="0">
               <a:buNone/>
             </a:pPr>
             <a:r>
+              <a:rPr lang="ro-RO" sz="3000" dirty="0" err="1">
+                <a:latin typeface="Avenir Medium"/>
+                <a:cs typeface="Avenir Medium"/>
+              </a:rPr>
+              <a:t>See</a:t>
+            </a:r>
+            <a:r>
               <a:rPr lang="ro-RO" sz="3000" dirty="0">
                 <a:latin typeface="Avenir Medium"/>
                 <a:cs typeface="Avenir Medium"/>
-                <a:hlinkClick r:id="rId4"/>
-              </a:rPr>
-              <a:t>https://www.youtube.com/watch?v=C4tEDxg_EiY</a:t>
+              </a:rPr>
+              <a:t> video-</a:t>
+            </a:r>
+            <a:r>
+              <a:rPr lang="ro-RO" sz="3000" dirty="0" err="1">
+                <a:latin typeface="Avenir Medium"/>
+                <a:cs typeface="Avenir Medium"/>
+              </a:rPr>
+              <a:t>tutorials</a:t>
+            </a:r>
+            <a:r>
+              <a:rPr lang="ro-RO" sz="3000" dirty="0">
+                <a:latin typeface="Avenir Medium"/>
+                <a:cs typeface="Avenir Medium"/>
+              </a:rPr>
+              <a:t> from PLS-1 to PLS-8 in the playlist:</a:t>
+            </a:r>
+          </a:p>
+          <a:p>
+            <a:pPr marL="82296" indent="0">
+              <a:buNone/>
+            </a:pPr>
+            <a:r>
+              <a:rPr lang="ro-RO" sz="3000" dirty="0">
+                <a:latin typeface="Avenir Medium"/>
+                <a:cs typeface="Avenir Medium"/>
+                <a:hlinkClick r:id="rId2"/>
+              </a:rPr>
+              <a:t>https://www.youtube.com/playlist?list=PL3245012E0631F7AE&amp;spfreload=10</a:t>
             </a:r>
             <a:endParaRPr lang="ro-RO" sz="3000" dirty="0">
               <a:latin typeface="Avenir Medium"/>
@@ -7427,115 +6774,29 @@
             </a:endParaRPr>
           </a:p>
           <a:p>
-            <a:r>
-              <a:rPr lang="ro-RO" sz="3000" dirty="0">
-                <a:latin typeface="Avenir Medium"/>
-                <a:cs typeface="Avenir Medium"/>
-              </a:rPr>
-              <a:t>PL4 PL SQL Tutorial Displaying Strings and Assignment Theory)</a:t>
-            </a:r>
-          </a:p>
-          <a:p>
             <a:pPr marL="82296" indent="0">
               <a:buNone/>
             </a:pPr>
-            <a:r>
-              <a:rPr lang="ro-RO" sz="3000" dirty="0">
-                <a:latin typeface="Avenir Medium"/>
-                <a:cs typeface="Avenir Medium"/>
-                <a:hlinkClick r:id="rId5"/>
-              </a:rPr>
-              <a:t>https://www.youtube.com/watch?v=ltZhhnnfp2o</a:t>
-            </a:r>
             <a:endParaRPr lang="ro-RO" sz="3000" dirty="0">
               <a:latin typeface="Avenir Medium"/>
               <a:cs typeface="Avenir Medium"/>
             </a:endParaRPr>
           </a:p>
           <a:p>
-            <a:r>
-              <a:rPr lang="ro-RO" sz="3000" dirty="0">
-                <a:latin typeface="Avenir Medium"/>
-                <a:cs typeface="Avenir Medium"/>
-              </a:rPr>
-              <a:t>PL5 PL SQL Tutorial DBMS OUTPUT and Assignment Hands On)</a:t>
-            </a:r>
-          </a:p>
-          <a:p>
             <a:pPr marL="82296" indent="0">
               <a:buNone/>
             </a:pPr>
-            <a:r>
-              <a:rPr lang="ro-RO" sz="3000" dirty="0">
-                <a:latin typeface="Avenir Medium"/>
-                <a:cs typeface="Avenir Medium"/>
-                <a:hlinkClick r:id="rId6"/>
-              </a:rPr>
-              <a:t>https://www.youtube.com/watch?v=LTEoCZhmigI</a:t>
-            </a:r>
             <a:endParaRPr lang="ro-RO" sz="3000" dirty="0">
               <a:latin typeface="Avenir Medium"/>
               <a:cs typeface="Avenir Medium"/>
             </a:endParaRPr>
           </a:p>
-          <a:p>
-            <a:r>
-              <a:rPr lang="ro-RO" sz="3000" dirty="0">
-                <a:latin typeface="Avenir Medium"/>
-                <a:cs typeface="Avenir Medium"/>
-              </a:rPr>
-              <a:t>PL6 PL SQL Tutorial Programs to Try based on PL1 PL5</a:t>
-            </a:r>
-          </a:p>
-          <a:p>
-            <a:pPr marL="82296" indent="0">
-              <a:buNone/>
-            </a:pPr>
-            <a:r>
-              <a:rPr lang="ro-RO" sz="3000" dirty="0">
-                <a:latin typeface="Avenir Medium"/>
-                <a:cs typeface="Avenir Medium"/>
-                <a:hlinkClick r:id="rId7"/>
-              </a:rPr>
-              <a:t>https://www.youtube.com/watch?v=IqlGhAWOwvk&amp;spfreload=10</a:t>
-            </a:r>
-            <a:endParaRPr lang="ro-RO" sz="3000" dirty="0">
-              <a:latin typeface="Avenir Medium"/>
-              <a:cs typeface="Avenir Medium"/>
-            </a:endParaRPr>
-          </a:p>
-          <a:p>
-            <a:r>
-              <a:rPr lang="ro-RO" sz="3000" dirty="0">
-                <a:latin typeface="Avenir Medium"/>
-                <a:cs typeface="Avenir Medium"/>
-              </a:rPr>
-              <a:t>PL7 PL SQL Tutorial SELECT statements in PL SQL blocks Theory)</a:t>
-            </a:r>
-          </a:p>
-          <a:p>
-            <a:pPr marL="82296" indent="0">
-              <a:buNone/>
-            </a:pPr>
-            <a:r>
-              <a:rPr lang="ro-RO" sz="3000" dirty="0">
-                <a:latin typeface="Avenir Medium"/>
-                <a:cs typeface="Avenir Medium"/>
-                <a:hlinkClick r:id="rId8"/>
-              </a:rPr>
-              <a:t>https://www.youtube.com/watch?v=JX_fg0MUDIU&amp;spfreload=10</a:t>
-            </a:r>
-            <a:endParaRPr lang="ro-RO" sz="3000" dirty="0">
-              <a:latin typeface="Avenir Medium"/>
-              <a:cs typeface="Avenir Medium"/>
-            </a:endParaRPr>
-          </a:p>
         </p:txBody>
       </p:sp>
     </p:spTree>
     <p:extLst>
       <p:ext uri="{BB962C8B-B14F-4D97-AF65-F5344CB8AC3E}">
-        <p14:creationId xmlns:p14="http://schemas.microsoft.com/office/powerpoint/2010/main" val="2325667044"/>
+        <p14:creationId xmlns:p14="http://schemas.microsoft.com/office/powerpoint/2010/main" val="1705308003"/>
       </p:ext>
     </p:extLst>
   </p:cSld>
